--- a/รายละเอียด2.pptx
+++ b/รายละเอียด2.pptx
@@ -16160,7 +16160,12 @@
             <p:ph idx="1"/>
           </p:nvPr>
         </p:nvSpPr>
-        <p:spPr/>
+        <p:spPr>
+          <a:xfrm>
+            <a:off x="838200" y="1452763"/>
+            <a:ext cx="6876495" cy="1503501"/>
+          </a:xfrm>
+        </p:spPr>
         <p:txBody>
           <a:bodyPr/>
           <a:lstStyle/>
@@ -16182,6 +16187,323 @@
             <a:r>
               <a:rPr lang="th-TH" dirty="0"/>
               <a:t>พลังชีวิตลดตามความเสียหาย </a:t>
+            </a:r>
+            <a:endParaRPr lang="en-US" dirty="0"/>
+          </a:p>
+        </p:txBody>
+      </p:sp>
+      <p:sp>
+        <p:nvSpPr>
+          <p:cNvPr id="4" name="Content Placeholder 2">
+            <a:extLst>
+              <a:ext uri="{FF2B5EF4-FFF2-40B4-BE49-F238E27FC236}">
+                <a16:creationId xmlns:a16="http://schemas.microsoft.com/office/drawing/2014/main" id="{537522CA-CAE6-4CB9-B943-ACC8B6253044}"/>
+              </a:ext>
+            </a:extLst>
+          </p:cNvPr>
+          <p:cNvSpPr txBox="1">
+            <a:spLocks/>
+          </p:cNvSpPr>
+          <p:nvPr/>
+        </p:nvSpPr>
+        <p:spPr>
+          <a:xfrm>
+            <a:off x="662126" y="4043902"/>
+            <a:ext cx="6876495" cy="2704607"/>
+          </a:xfrm>
+          <a:prstGeom prst="rect">
+            <a:avLst/>
+          </a:prstGeom>
+        </p:spPr>
+        <p:txBody>
+          <a:bodyPr vert="horz" lIns="91440" tIns="45720" rIns="91440" bIns="45720" rtlCol="0">
+            <a:normAutofit fontScale="92500"/>
+          </a:bodyPr>
+          <a:lstStyle>
+            <a:lvl1pPr marL="228600" indent="-228600" algn="l" defTabSz="914400" rtl="0" eaLnBrk="1" latinLnBrk="0" hangingPunct="1">
+              <a:lnSpc>
+                <a:spcPct val="90000"/>
+              </a:lnSpc>
+              <a:spcBef>
+                <a:spcPts val="1000"/>
+              </a:spcBef>
+              <a:buFont typeface="Arial" panose="020B0604020202020204" pitchFamily="34" charset="0"/>
+              <a:buChar char="•"/>
+              <a:defRPr sz="2800" kern="1200">
+                <a:solidFill>
+                  <a:schemeClr val="tx1"/>
+                </a:solidFill>
+                <a:latin typeface="+mn-lt"/>
+                <a:ea typeface="+mn-ea"/>
+                <a:cs typeface="+mn-cs"/>
+              </a:defRPr>
+            </a:lvl1pPr>
+            <a:lvl2pPr marL="685800" indent="-228600" algn="l" defTabSz="914400" rtl="0" eaLnBrk="1" latinLnBrk="0" hangingPunct="1">
+              <a:lnSpc>
+                <a:spcPct val="90000"/>
+              </a:lnSpc>
+              <a:spcBef>
+                <a:spcPts val="500"/>
+              </a:spcBef>
+              <a:buFont typeface="Arial" panose="020B0604020202020204" pitchFamily="34" charset="0"/>
+              <a:buChar char="•"/>
+              <a:defRPr sz="2400" kern="1200">
+                <a:solidFill>
+                  <a:schemeClr val="tx1"/>
+                </a:solidFill>
+                <a:latin typeface="+mn-lt"/>
+                <a:ea typeface="+mn-ea"/>
+                <a:cs typeface="+mn-cs"/>
+              </a:defRPr>
+            </a:lvl2pPr>
+            <a:lvl3pPr marL="1143000" indent="-228600" algn="l" defTabSz="914400" rtl="0" eaLnBrk="1" latinLnBrk="0" hangingPunct="1">
+              <a:lnSpc>
+                <a:spcPct val="90000"/>
+              </a:lnSpc>
+              <a:spcBef>
+                <a:spcPts val="500"/>
+              </a:spcBef>
+              <a:buFont typeface="Arial" panose="020B0604020202020204" pitchFamily="34" charset="0"/>
+              <a:buChar char="•"/>
+              <a:defRPr sz="2000" kern="1200">
+                <a:solidFill>
+                  <a:schemeClr val="tx1"/>
+                </a:solidFill>
+                <a:latin typeface="+mn-lt"/>
+                <a:ea typeface="+mn-ea"/>
+                <a:cs typeface="+mn-cs"/>
+              </a:defRPr>
+            </a:lvl3pPr>
+            <a:lvl4pPr marL="1600200" indent="-228600" algn="l" defTabSz="914400" rtl="0" eaLnBrk="1" latinLnBrk="0" hangingPunct="1">
+              <a:lnSpc>
+                <a:spcPct val="90000"/>
+              </a:lnSpc>
+              <a:spcBef>
+                <a:spcPts val="500"/>
+              </a:spcBef>
+              <a:buFont typeface="Arial" panose="020B0604020202020204" pitchFamily="34" charset="0"/>
+              <a:buChar char="•"/>
+              <a:defRPr sz="1800" kern="1200">
+                <a:solidFill>
+                  <a:schemeClr val="tx1"/>
+                </a:solidFill>
+                <a:latin typeface="+mn-lt"/>
+                <a:ea typeface="+mn-ea"/>
+                <a:cs typeface="+mn-cs"/>
+              </a:defRPr>
+            </a:lvl4pPr>
+            <a:lvl5pPr marL="2057400" indent="-228600" algn="l" defTabSz="914400" rtl="0" eaLnBrk="1" latinLnBrk="0" hangingPunct="1">
+              <a:lnSpc>
+                <a:spcPct val="90000"/>
+              </a:lnSpc>
+              <a:spcBef>
+                <a:spcPts val="500"/>
+              </a:spcBef>
+              <a:buFont typeface="Arial" panose="020B0604020202020204" pitchFamily="34" charset="0"/>
+              <a:buChar char="•"/>
+              <a:defRPr sz="1800" kern="1200">
+                <a:solidFill>
+                  <a:schemeClr val="tx1"/>
+                </a:solidFill>
+                <a:latin typeface="+mn-lt"/>
+                <a:ea typeface="+mn-ea"/>
+                <a:cs typeface="+mn-cs"/>
+              </a:defRPr>
+            </a:lvl5pPr>
+            <a:lvl6pPr marL="2514600" indent="-228600" algn="l" defTabSz="914400" rtl="0" eaLnBrk="1" latinLnBrk="0" hangingPunct="1">
+              <a:lnSpc>
+                <a:spcPct val="90000"/>
+              </a:lnSpc>
+              <a:spcBef>
+                <a:spcPts val="500"/>
+              </a:spcBef>
+              <a:buFont typeface="Arial" panose="020B0604020202020204" pitchFamily="34" charset="0"/>
+              <a:buChar char="•"/>
+              <a:defRPr sz="1800" kern="1200">
+                <a:solidFill>
+                  <a:schemeClr val="tx1"/>
+                </a:solidFill>
+                <a:latin typeface="+mn-lt"/>
+                <a:ea typeface="+mn-ea"/>
+                <a:cs typeface="+mn-cs"/>
+              </a:defRPr>
+            </a:lvl6pPr>
+            <a:lvl7pPr marL="2971800" indent="-228600" algn="l" defTabSz="914400" rtl="0" eaLnBrk="1" latinLnBrk="0" hangingPunct="1">
+              <a:lnSpc>
+                <a:spcPct val="90000"/>
+              </a:lnSpc>
+              <a:spcBef>
+                <a:spcPts val="500"/>
+              </a:spcBef>
+              <a:buFont typeface="Arial" panose="020B0604020202020204" pitchFamily="34" charset="0"/>
+              <a:buChar char="•"/>
+              <a:defRPr sz="1800" kern="1200">
+                <a:solidFill>
+                  <a:schemeClr val="tx1"/>
+                </a:solidFill>
+                <a:latin typeface="+mn-lt"/>
+                <a:ea typeface="+mn-ea"/>
+                <a:cs typeface="+mn-cs"/>
+              </a:defRPr>
+            </a:lvl7pPr>
+            <a:lvl8pPr marL="3429000" indent="-228600" algn="l" defTabSz="914400" rtl="0" eaLnBrk="1" latinLnBrk="0" hangingPunct="1">
+              <a:lnSpc>
+                <a:spcPct val="90000"/>
+              </a:lnSpc>
+              <a:spcBef>
+                <a:spcPts val="500"/>
+              </a:spcBef>
+              <a:buFont typeface="Arial" panose="020B0604020202020204" pitchFamily="34" charset="0"/>
+              <a:buChar char="•"/>
+              <a:defRPr sz="1800" kern="1200">
+                <a:solidFill>
+                  <a:schemeClr val="tx1"/>
+                </a:solidFill>
+                <a:latin typeface="+mn-lt"/>
+                <a:ea typeface="+mn-ea"/>
+                <a:cs typeface="+mn-cs"/>
+              </a:defRPr>
+            </a:lvl8pPr>
+            <a:lvl9pPr marL="3886200" indent="-228600" algn="l" defTabSz="914400" rtl="0" eaLnBrk="1" latinLnBrk="0" hangingPunct="1">
+              <a:lnSpc>
+                <a:spcPct val="90000"/>
+              </a:lnSpc>
+              <a:spcBef>
+                <a:spcPts val="500"/>
+              </a:spcBef>
+              <a:buFont typeface="Arial" panose="020B0604020202020204" pitchFamily="34" charset="0"/>
+              <a:buChar char="•"/>
+              <a:defRPr sz="1800" kern="1200">
+                <a:solidFill>
+                  <a:schemeClr val="tx1"/>
+                </a:solidFill>
+                <a:latin typeface="+mn-lt"/>
+                <a:ea typeface="+mn-ea"/>
+                <a:cs typeface="+mn-cs"/>
+              </a:defRPr>
+            </a:lvl9pPr>
+          </a:lstStyle>
+          <a:p>
+            <a:r>
+              <a:rPr lang="th-TH" dirty="0"/>
+              <a:t>ทรัพยากรมีพอต่อความต้องการที่จะสร้างสิ่งก่อสร้างนั้น</a:t>
+            </a:r>
+          </a:p>
+          <a:p>
+            <a:r>
+              <a:rPr lang="th-TH" dirty="0"/>
+              <a:t>สิ่งก่อสร้างบางอย่างจะสร้างได้ ต้องสร้างสิ่งก่อสร้างตามที่กำหนดไว้ก่อน</a:t>
+            </a:r>
+          </a:p>
+          <a:p>
+            <a:r>
+              <a:rPr lang="th-TH" dirty="0"/>
+              <a:t>ต้องวางสิ่งก่อสร้างใน </a:t>
+            </a:r>
+            <a:r>
+              <a:rPr lang="en-US" dirty="0"/>
+              <a:t>layer </a:t>
+            </a:r>
+            <a:r>
+              <a:rPr lang="th-TH" dirty="0"/>
+              <a:t>ที่เท่ากัน และไม่มีสิ่งกีดขวาง</a:t>
+            </a:r>
+          </a:p>
+          <a:p>
+            <a:r>
+              <a:rPr lang="th-TH" dirty="0"/>
+              <a:t>สิ่งก่อสร้างทั้งหมดยกเว้น </a:t>
+            </a:r>
+            <a:r>
+              <a:rPr lang="en-US" dirty="0" err="1"/>
+              <a:t>Guntower</a:t>
+            </a:r>
+            <a:r>
+              <a:rPr lang="en-US" dirty="0"/>
+              <a:t> </a:t>
+            </a:r>
+            <a:r>
+              <a:rPr lang="th-TH" dirty="0"/>
+              <a:t>ต้องสร้างในระยะใกล้กัน</a:t>
+            </a:r>
+          </a:p>
+          <a:p>
+            <a:r>
+              <a:rPr lang="en-US" dirty="0" err="1"/>
+              <a:t>Guntower</a:t>
+            </a:r>
+            <a:r>
+              <a:rPr lang="en-US" dirty="0"/>
+              <a:t> </a:t>
+            </a:r>
+            <a:r>
+              <a:rPr lang="th-TH" dirty="0"/>
+              <a:t>จะสร้างได้ใน</a:t>
+            </a:r>
+            <a:r>
+              <a:rPr lang="th-TH" dirty="0" err="1"/>
+              <a:t>ที่ๆ</a:t>
+            </a:r>
+            <a:r>
+              <a:rPr lang="th-TH" dirty="0"/>
+              <a:t>อยู่ในระยะมองเห็นของฝ่ายผู้ควบคุม</a:t>
+            </a:r>
+          </a:p>
+          <a:p>
+            <a:endParaRPr lang="en-US" dirty="0"/>
+          </a:p>
+        </p:txBody>
+      </p:sp>
+      <p:sp>
+        <p:nvSpPr>
+          <p:cNvPr id="5" name="Title 1">
+            <a:extLst>
+              <a:ext uri="{FF2B5EF4-FFF2-40B4-BE49-F238E27FC236}">
+                <a16:creationId xmlns:a16="http://schemas.microsoft.com/office/drawing/2014/main" id="{D18D5187-D2A5-4C6E-8814-2CEF51CC1871}"/>
+              </a:ext>
+            </a:extLst>
+          </p:cNvPr>
+          <p:cNvSpPr txBox="1">
+            <a:spLocks/>
+          </p:cNvSpPr>
+          <p:nvPr/>
+        </p:nvSpPr>
+        <p:spPr>
+          <a:xfrm>
+            <a:off x="838200" y="2956264"/>
+            <a:ext cx="10515600" cy="1325563"/>
+          </a:xfrm>
+          <a:prstGeom prst="rect">
+            <a:avLst/>
+          </a:prstGeom>
+        </p:spPr>
+        <p:txBody>
+          <a:bodyPr vert="horz" lIns="91440" tIns="45720" rIns="91440" bIns="45720" rtlCol="0" anchor="ctr">
+            <a:normAutofit/>
+          </a:bodyPr>
+          <a:lstStyle>
+            <a:lvl1pPr algn="l" defTabSz="914400" rtl="0" eaLnBrk="1" latinLnBrk="0" hangingPunct="1">
+              <a:lnSpc>
+                <a:spcPct val="90000"/>
+              </a:lnSpc>
+              <a:spcBef>
+                <a:spcPct val="0"/>
+              </a:spcBef>
+              <a:buNone/>
+              <a:defRPr sz="4400" kern="1200">
+                <a:solidFill>
+                  <a:schemeClr val="tx1"/>
+                </a:solidFill>
+                <a:latin typeface="+mj-lt"/>
+                <a:ea typeface="+mj-ea"/>
+                <a:cs typeface="+mj-cs"/>
+              </a:defRPr>
+            </a:lvl1pPr>
+          </a:lstStyle>
+          <a:p>
+            <a:r>
+              <a:rPr lang="th-TH" dirty="0"/>
+              <a:t>การสร้างสิ่งก่อสร้าง</a:t>
             </a:r>
             <a:endParaRPr lang="en-US" dirty="0"/>
           </a:p>
